--- a/overview.pptx
+++ b/overview.pptx
@@ -3165,7 +3165,7 @@
         <p:spPr>
           <a:xfrm>
             <a:off x="0" y="6161901"/>
-            <a:ext cx="5444567" cy="276999"/>
+            <a:ext cx="7162987" cy="276999"/>
           </a:xfrm>
           <a:prstGeom prst="rect">
             <a:avLst/>
@@ -3179,7 +3179,23 @@
           <a:p>
             <a:r>
               <a:rPr lang="en-US" dirty="0"/>
-              <a:t>*  This is shown in &lt;filename&gt;, and is done in a way that is very generalizable.</a:t>
+              <a:t>*  This is shown in </a:t>
+            </a:r>
+            <a:r>
+              <a:rPr lang="en-US" dirty="0" err="1"/>
+              <a:t>awards_methodology_</a:t>
+            </a:r>
+            <a:r>
+              <a:rPr lang="en-US" err="1"/>
+              <a:t>explain</a:t>
+            </a:r>
+            <a:r>
+              <a:rPr lang="en-US"/>
+              <a:t>.ipybn, </a:t>
+            </a:r>
+            <a:r>
+              <a:rPr lang="en-US" dirty="0"/>
+              <a:t>and is done in a way that is very generalizable.</a:t>
             </a:r>
           </a:p>
         </p:txBody>
@@ -5026,7 +5042,7 @@
           <a:p>
             <a:r>
               <a:rPr lang="en-US" dirty="0"/>
-              <a:t>** Extra’s follow a similar paradigm, and include sentiment analysis</a:t>
+              <a:t>** Extras follow a similar paradigm, and include sentiment analysis</a:t>
             </a:r>
           </a:p>
         </p:txBody>
@@ -5649,7 +5665,7 @@
         <p:spPr>
           <a:xfrm>
             <a:off x="79137" y="6084304"/>
-            <a:ext cx="4052263" cy="276999"/>
+            <a:ext cx="3473580" cy="276999"/>
           </a:xfrm>
           <a:prstGeom prst="rect">
             <a:avLst/>
@@ -5663,7 +5679,7 @@
           <a:p>
             <a:r>
               <a:rPr lang="en-US" dirty="0"/>
-              <a:t>* Additional Filters may be applied depending on sub goal</a:t>
+              <a:t>* Filters may be applied depending on sub goal</a:t>
             </a:r>
           </a:p>
         </p:txBody>
@@ -5837,7 +5853,7 @@
             <a:pPr algn="ctr"/>
             <a:r>
               <a:rPr lang="en-US" sz="1400" dirty="0"/>
-              <a:t>Apply thresholds &amp; output</a:t>
+              <a:t>Apply thresholds &amp; output*</a:t>
             </a:r>
           </a:p>
         </p:txBody>
@@ -5873,7 +5889,7 @@
             <a:pPr algn="ctr"/>
             <a:r>
               <a:rPr lang="en-US" sz="1400" dirty="0"/>
-              <a:t>Apply thresholds &amp; output</a:t>
+              <a:t>Apply thresholds &amp; output*</a:t>
             </a:r>
           </a:p>
         </p:txBody>
